--- a/presentations/01 overview/slides.pptx
+++ b/presentations/01 overview/slides.pptx
@@ -206,7 +206,7 @@
           <a:p>
             <a:fld id="{DE016DB0-158C-4229-9B9F-B421D196BCF3}" type="datetimeFigureOut">
               <a:rPr lang="de-AT" smtClean="0"/>
-              <a:t>12.12.2016</a:t>
+              <a:t>09.01.2017</a:t>
             </a:fld>
             <a:endParaRPr lang="de-AT"/>
           </a:p>
@@ -780,7 +780,7 @@
           <a:p>
             <a:fld id="{7F42A265-EBCD-4E79-942F-03987FBB771A}" type="datetimeFigureOut">
               <a:rPr lang="de-AT" smtClean="0"/>
-              <a:t>12.12.2016</a:t>
+              <a:t>09.01.2017</a:t>
             </a:fld>
             <a:endParaRPr lang="de-AT" dirty="0"/>
           </a:p>
@@ -950,7 +950,7 @@
           <a:p>
             <a:fld id="{7F42A265-EBCD-4E79-942F-03987FBB771A}" type="datetimeFigureOut">
               <a:rPr lang="de-AT" smtClean="0"/>
-              <a:t>12.12.2016</a:t>
+              <a:t>09.01.2017</a:t>
             </a:fld>
             <a:endParaRPr lang="de-AT" dirty="0"/>
           </a:p>
@@ -1130,7 +1130,7 @@
           <a:p>
             <a:fld id="{7F42A265-EBCD-4E79-942F-03987FBB771A}" type="datetimeFigureOut">
               <a:rPr lang="de-AT" smtClean="0"/>
-              <a:t>12.12.2016</a:t>
+              <a:t>09.01.2017</a:t>
             </a:fld>
             <a:endParaRPr lang="de-AT" dirty="0"/>
           </a:p>
@@ -1641,7 +1641,7 @@
           <a:p>
             <a:fld id="{7F42A265-EBCD-4E79-942F-03987FBB771A}" type="datetimeFigureOut">
               <a:rPr lang="de-AT" smtClean="0"/>
-              <a:t>12.12.2016</a:t>
+              <a:t>09.01.2017</a:t>
             </a:fld>
             <a:endParaRPr lang="de-AT" dirty="0"/>
           </a:p>
@@ -1873,7 +1873,7 @@
           <a:p>
             <a:fld id="{7F42A265-EBCD-4E79-942F-03987FBB771A}" type="datetimeFigureOut">
               <a:rPr lang="de-AT" smtClean="0"/>
-              <a:t>12.12.2016</a:t>
+              <a:t>09.01.2017</a:t>
             </a:fld>
             <a:endParaRPr lang="de-AT" dirty="0"/>
           </a:p>
@@ -2240,7 +2240,7 @@
           <a:p>
             <a:fld id="{7F42A265-EBCD-4E79-942F-03987FBB771A}" type="datetimeFigureOut">
               <a:rPr lang="de-AT" smtClean="0"/>
-              <a:t>12.12.2016</a:t>
+              <a:t>09.01.2017</a:t>
             </a:fld>
             <a:endParaRPr lang="de-AT" dirty="0"/>
           </a:p>
@@ -2358,7 +2358,7 @@
           <a:p>
             <a:fld id="{7F42A265-EBCD-4E79-942F-03987FBB771A}" type="datetimeFigureOut">
               <a:rPr lang="de-AT" smtClean="0"/>
-              <a:t>12.12.2016</a:t>
+              <a:t>09.01.2017</a:t>
             </a:fld>
             <a:endParaRPr lang="de-AT" dirty="0"/>
           </a:p>
@@ -2453,7 +2453,7 @@
           <a:p>
             <a:fld id="{7F42A265-EBCD-4E79-942F-03987FBB771A}" type="datetimeFigureOut">
               <a:rPr lang="de-AT" smtClean="0"/>
-              <a:t>12.12.2016</a:t>
+              <a:t>09.01.2017</a:t>
             </a:fld>
             <a:endParaRPr lang="de-AT" dirty="0"/>
           </a:p>
@@ -2730,7 +2730,7 @@
           <a:p>
             <a:fld id="{7F42A265-EBCD-4E79-942F-03987FBB771A}" type="datetimeFigureOut">
               <a:rPr lang="de-AT" smtClean="0"/>
-              <a:t>12.12.2016</a:t>
+              <a:t>09.01.2017</a:t>
             </a:fld>
             <a:endParaRPr lang="de-AT" dirty="0"/>
           </a:p>
@@ -2987,7 +2987,7 @@
           <a:p>
             <a:fld id="{7F42A265-EBCD-4E79-942F-03987FBB771A}" type="datetimeFigureOut">
               <a:rPr lang="de-AT" smtClean="0"/>
-              <a:t>12.12.2016</a:t>
+              <a:t>09.01.2017</a:t>
             </a:fld>
             <a:endParaRPr lang="de-AT" dirty="0"/>
           </a:p>
@@ -3200,7 +3200,7 @@
           <a:p>
             <a:fld id="{7F42A265-EBCD-4E79-942F-03987FBB771A}" type="datetimeFigureOut">
               <a:rPr lang="de-AT" smtClean="0"/>
-              <a:t>12.12.2016</a:t>
+              <a:t>09.01.2017</a:t>
             </a:fld>
             <a:endParaRPr lang="de-AT" dirty="0"/>
           </a:p>
@@ -3703,13 +3703,13 @@
   <p:clrMapOvr>
     <a:masterClrMapping/>
   </p:clrMapOvr>
-  <mc:AlternateContent xmlns:mc="http://schemas.openxmlformats.org/markup-compatibility/2006">
-    <mc:Choice xmlns:p14="http://schemas.microsoft.com/office/powerpoint/2010/main" Requires="p14">
+  <mc:AlternateContent xmlns:mc="http://schemas.openxmlformats.org/markup-compatibility/2006" xmlns:p14="http://schemas.microsoft.com/office/powerpoint/2010/main">
+    <mc:Choice Requires="p14">
       <p:transition p14:dur="250">
         <p:fade/>
       </p:transition>
     </mc:Choice>
-    <mc:Fallback>
+    <mc:Fallback xmlns="">
       <p:transition>
         <p:fade/>
       </p:transition>
@@ -8001,7 +8001,7 @@
           <p:nvPr>
             <p:extLst>
               <p:ext uri="{D42A27DB-BD31-4B8C-83A1-F6EECF244321}">
-                <p14:modId xmlns:p14="http://schemas.microsoft.com/office/powerpoint/2010/main" val="1147032484"/>
+                <p14:modId xmlns:p14="http://schemas.microsoft.com/office/powerpoint/2010/main" val="4054349664"/>
               </p:ext>
             </p:extLst>
           </p:nvPr>
@@ -8079,13 +8079,13 @@
                     <a:p>
                       <a:pPr algn="ctr"/>
                       <a:r>
-                        <a:rPr lang="en-US" sz="1800" cap="all" baseline="0" noProof="0" dirty="0" err="1">
+                        <a:rPr lang="en-US" sz="1800" cap="all" baseline="0" noProof="0" dirty="0">
                           <a:solidFill>
                             <a:schemeClr val="accent1"/>
                           </a:solidFill>
                           <a:latin typeface="+mj-lt"/>
                         </a:rPr>
-                        <a:t>soll</a:t>
+                        <a:t>IST</a:t>
                       </a:r>
                       <a:endParaRPr lang="de-AT" sz="1800" cap="all" baseline="0" noProof="0" dirty="0">
                         <a:solidFill>
@@ -8126,13 +8126,13 @@
                     <a:p>
                       <a:pPr algn="ctr"/>
                       <a:r>
-                        <a:rPr lang="en-US" sz="1800" cap="all" baseline="0" noProof="0" dirty="0" err="1">
+                        <a:rPr lang="en-US" sz="1800" cap="all" baseline="0" noProof="0">
                           <a:solidFill>
                             <a:schemeClr val="accent1"/>
                           </a:solidFill>
                           <a:latin typeface="+mj-lt"/>
                         </a:rPr>
-                        <a:t>ist</a:t>
+                        <a:t>SOLL</a:t>
                       </a:r>
                       <a:endParaRPr lang="de-AT" sz="1800" cap="all" baseline="0" noProof="0" dirty="0">
                         <a:solidFill>
